--- a/Daily Agendas/Day15.3_OS Concept Map4.pptx
+++ b/Daily Agendas/Day15.3_OS Concept Map4.pptx
@@ -208,7 +208,7 @@
           <a:p>
             <a:fld id="{02927826-3378-4ECF-BA4E-36C71D5ECCFE}" type="datetimeFigureOut">
               <a:rPr lang="en-US" smtClean="0"/>
-              <a:t>12/11/2019</a:t>
+              <a:t>12/12/2019</a:t>
             </a:fld>
             <a:endParaRPr lang="en-US"/>
           </a:p>
@@ -740,7 +740,7 @@
             <a:fld id="{1D8BD707-D9CF-40AE-B4C6-C98DA3205C09}" type="datetimeFigureOut">
               <a:rPr lang="en-US" smtClean="0"/>
               <a:pPr/>
-              <a:t>12/11/2019</a:t>
+              <a:t>12/12/2019</a:t>
             </a:fld>
             <a:endParaRPr lang="en-US"/>
           </a:p>
@@ -905,7 +905,7 @@
             <a:fld id="{1D8BD707-D9CF-40AE-B4C6-C98DA3205C09}" type="datetimeFigureOut">
               <a:rPr lang="en-US" smtClean="0"/>
               <a:pPr/>
-              <a:t>12/11/2019</a:t>
+              <a:t>12/12/2019</a:t>
             </a:fld>
             <a:endParaRPr lang="en-US"/>
           </a:p>
@@ -1080,7 +1080,7 @@
             <a:fld id="{1D8BD707-D9CF-40AE-B4C6-C98DA3205C09}" type="datetimeFigureOut">
               <a:rPr lang="en-US" smtClean="0"/>
               <a:pPr/>
-              <a:t>12/11/2019</a:t>
+              <a:t>12/12/2019</a:t>
             </a:fld>
             <a:endParaRPr lang="en-US"/>
           </a:p>
@@ -1245,7 +1245,7 @@
             <a:fld id="{1D8BD707-D9CF-40AE-B4C6-C98DA3205C09}" type="datetimeFigureOut">
               <a:rPr lang="en-US" smtClean="0"/>
               <a:pPr/>
-              <a:t>12/11/2019</a:t>
+              <a:t>12/12/2019</a:t>
             </a:fld>
             <a:endParaRPr lang="en-US"/>
           </a:p>
@@ -1487,7 +1487,7 @@
             <a:fld id="{1D8BD707-D9CF-40AE-B4C6-C98DA3205C09}" type="datetimeFigureOut">
               <a:rPr lang="en-US" smtClean="0"/>
               <a:pPr/>
-              <a:t>12/11/2019</a:t>
+              <a:t>12/12/2019</a:t>
             </a:fld>
             <a:endParaRPr lang="en-US"/>
           </a:p>
@@ -1769,7 +1769,7 @@
             <a:fld id="{1D8BD707-D9CF-40AE-B4C6-C98DA3205C09}" type="datetimeFigureOut">
               <a:rPr lang="en-US" smtClean="0"/>
               <a:pPr/>
-              <a:t>12/11/2019</a:t>
+              <a:t>12/12/2019</a:t>
             </a:fld>
             <a:endParaRPr lang="en-US"/>
           </a:p>
@@ -2185,7 +2185,7 @@
             <a:fld id="{1D8BD707-D9CF-40AE-B4C6-C98DA3205C09}" type="datetimeFigureOut">
               <a:rPr lang="en-US" smtClean="0"/>
               <a:pPr/>
-              <a:t>12/11/2019</a:t>
+              <a:t>12/12/2019</a:t>
             </a:fld>
             <a:endParaRPr lang="en-US"/>
           </a:p>
@@ -2299,7 +2299,7 @@
             <a:fld id="{1D8BD707-D9CF-40AE-B4C6-C98DA3205C09}" type="datetimeFigureOut">
               <a:rPr lang="en-US" smtClean="0"/>
               <a:pPr/>
-              <a:t>12/11/2019</a:t>
+              <a:t>12/12/2019</a:t>
             </a:fld>
             <a:endParaRPr lang="en-US"/>
           </a:p>
@@ -2391,7 +2391,7 @@
             <a:fld id="{1D8BD707-D9CF-40AE-B4C6-C98DA3205C09}" type="datetimeFigureOut">
               <a:rPr lang="en-US" smtClean="0"/>
               <a:pPr/>
-              <a:t>12/11/2019</a:t>
+              <a:t>12/12/2019</a:t>
             </a:fld>
             <a:endParaRPr lang="en-US"/>
           </a:p>
@@ -2663,7 +2663,7 @@
             <a:fld id="{1D8BD707-D9CF-40AE-B4C6-C98DA3205C09}" type="datetimeFigureOut">
               <a:rPr lang="en-US" smtClean="0"/>
               <a:pPr/>
-              <a:t>12/11/2019</a:t>
+              <a:t>12/12/2019</a:t>
             </a:fld>
             <a:endParaRPr lang="en-US"/>
           </a:p>
@@ -2912,7 +2912,7 @@
             <a:fld id="{1D8BD707-D9CF-40AE-B4C6-C98DA3205C09}" type="datetimeFigureOut">
               <a:rPr lang="en-US" smtClean="0"/>
               <a:pPr/>
-              <a:t>12/11/2019</a:t>
+              <a:t>12/12/2019</a:t>
             </a:fld>
             <a:endParaRPr lang="en-US"/>
           </a:p>
@@ -3120,7 +3120,7 @@
             <a:fld id="{1D8BD707-D9CF-40AE-B4C6-C98DA3205C09}" type="datetimeFigureOut">
               <a:rPr lang="en-US" smtClean="0"/>
               <a:pPr/>
-              <a:t>12/11/2019</a:t>
+              <a:t>12/12/2019</a:t>
             </a:fld>
             <a:endParaRPr lang="en-US"/>
           </a:p>
@@ -3510,11 +3510,7 @@
           <a:p>
             <a:r>
               <a:rPr lang="en-US" dirty="0" smtClean="0"/>
-              <a:t>OS Concept Map – Dec </a:t>
-            </a:r>
-            <a:r>
-              <a:rPr lang="en-US" dirty="0" smtClean="0"/>
-              <a:t>11</a:t>
+              <a:t>OS Concept Map – Dec 11</a:t>
             </a:r>
             <a:endParaRPr lang="en-US" dirty="0"/>
           </a:p>
@@ -3587,7 +3583,6 @@
               <a:rPr lang="en-CA" dirty="0" smtClean="0"/>
               <a:t>)</a:t>
             </a:r>
-            <a:endParaRPr lang="en-CA" dirty="0" smtClean="0"/>
           </a:p>
           <a:p>
             <a:pPr lvl="2"/>
@@ -3595,7 +3590,6 @@
               <a:rPr lang="en-CA" dirty="0" smtClean="0"/>
               <a:t>Demo What You Have Ready</a:t>
             </a:r>
-            <a:endParaRPr lang="en-CA" dirty="0" smtClean="0"/>
           </a:p>
           <a:p>
             <a:pPr lvl="1"/>
@@ -3603,7 +3597,6 @@
               <a:rPr lang="en-CA" dirty="0" smtClean="0"/>
               <a:t>Working Ahead</a:t>
             </a:r>
-            <a:endParaRPr lang="en-CA" dirty="0" smtClean="0"/>
           </a:p>
           <a:p>
             <a:pPr lvl="2"/>
@@ -3611,7 +3604,6 @@
               <a:rPr lang="en-CA" dirty="0" smtClean="0"/>
               <a:t>C.6 Case Study – Artificial Intelligence</a:t>
             </a:r>
-            <a:endParaRPr lang="en-CA" dirty="0" smtClean="0"/>
           </a:p>
           <a:p>
             <a:pPr lvl="2"/>
@@ -3627,15 +3619,7 @@
             <a:pPr lvl="1"/>
             <a:r>
               <a:rPr lang="en-CA" sz="2400" dirty="0" smtClean="0"/>
-              <a:t>Tomorrow</a:t>
-            </a:r>
-            <a:r>
-              <a:rPr lang="en-CA" sz="2400" dirty="0" smtClean="0"/>
-              <a:t>: </a:t>
-            </a:r>
-            <a:r>
-              <a:rPr lang="en-CA" sz="2400" dirty="0" smtClean="0"/>
-              <a:t>Begin C.6 – Artificial Intelligence</a:t>
+              <a:t>Tomorrow: Begin C.6 – Artificial Intelligence</a:t>
             </a:r>
             <a:endParaRPr lang="en-US" sz="2400" dirty="0"/>
           </a:p>
